--- a/presentation-4/presentation4.pptx
+++ b/presentation-4/presentation4.pptx
@@ -31,7 +31,7 @@
     <p:sldId id="286" r:id="rId22"/>
   </p:sldIdLst>
   <p:sldSz cx="9144000" cy="6858000" type="screen4x3"/>
-  <p:notesSz cx="6858000" cy="9144000"/>
+  <p:notesSz cx="7010400" cy="9236075"/>
   <p:defaultTextStyle>
     <a:defPPr>
       <a:defRPr lang="en-US"/>
@@ -196,14 +196,14 @@
         <p:spPr>
           <a:xfrm>
             <a:off x="0" y="0"/>
-            <a:ext cx="2971800" cy="457200"/>
+            <a:ext cx="3037840" cy="461804"/>
           </a:xfrm>
           <a:prstGeom prst="rect">
             <a:avLst/>
           </a:prstGeom>
         </p:spPr>
         <p:txBody>
-          <a:bodyPr vert="horz" lIns="91440" tIns="45720" rIns="91440" bIns="45720" rtlCol="0"/>
+          <a:bodyPr vert="horz" lIns="92830" tIns="46415" rIns="92830" bIns="46415" rtlCol="0"/>
           <a:lstStyle>
             <a:lvl1pPr algn="l">
               <a:defRPr sz="1200"/>
@@ -226,15 +226,15 @@
         </p:nvSpPr>
         <p:spPr>
           <a:xfrm>
-            <a:off x="3884613" y="0"/>
-            <a:ext cx="2971800" cy="457200"/>
+            <a:off x="3970938" y="0"/>
+            <a:ext cx="3037840" cy="461804"/>
           </a:xfrm>
           <a:prstGeom prst="rect">
             <a:avLst/>
           </a:prstGeom>
         </p:spPr>
         <p:txBody>
-          <a:bodyPr vert="horz" lIns="91440" tIns="45720" rIns="91440" bIns="45720" rtlCol="0"/>
+          <a:bodyPr vert="horz" lIns="92830" tIns="46415" rIns="92830" bIns="46415" rtlCol="0"/>
           <a:lstStyle>
             <a:lvl1pPr algn="r">
               <a:defRPr sz="1200"/>
@@ -243,7 +243,7 @@
           <a:p>
             <a:fld id="{AAAFC872-01C6-442E-BD56-990192213DF5}" type="datetimeFigureOut">
               <a:rPr lang="en-US" smtClean="0"/>
-              <a:t>11/30/2016</a:t>
+              <a:t>12/1/2016</a:t>
             </a:fld>
             <a:endParaRPr lang="en-US"/>
           </a:p>
@@ -261,8 +261,8 @@
         </p:nvSpPr>
         <p:spPr>
           <a:xfrm>
-            <a:off x="1143000" y="685800"/>
-            <a:ext cx="4572000" cy="3429000"/>
+            <a:off x="1195388" y="692150"/>
+            <a:ext cx="4619625" cy="3463925"/>
           </a:xfrm>
           <a:prstGeom prst="rect">
             <a:avLst/>
@@ -275,7 +275,7 @@
           </a:ln>
         </p:spPr>
         <p:txBody>
-          <a:bodyPr vert="horz" lIns="91440" tIns="45720" rIns="91440" bIns="45720" rtlCol="0" anchor="ctr"/>
+          <a:bodyPr vert="horz" lIns="92830" tIns="46415" rIns="92830" bIns="46415" rtlCol="0" anchor="ctr"/>
           <a:lstStyle/>
           <a:p>
             <a:endParaRPr lang="en-US"/>
@@ -294,15 +294,15 @@
         </p:nvSpPr>
         <p:spPr>
           <a:xfrm>
-            <a:off x="685800" y="4343400"/>
-            <a:ext cx="5486400" cy="4114800"/>
+            <a:off x="701040" y="4387136"/>
+            <a:ext cx="5608320" cy="4156234"/>
           </a:xfrm>
           <a:prstGeom prst="rect">
             <a:avLst/>
           </a:prstGeom>
         </p:spPr>
         <p:txBody>
-          <a:bodyPr vert="horz" lIns="91440" tIns="45720" rIns="91440" bIns="45720" rtlCol="0"/>
+          <a:bodyPr vert="horz" lIns="92830" tIns="46415" rIns="92830" bIns="46415" rtlCol="0"/>
           <a:lstStyle/>
           <a:p>
             <a:pPr lvl="0"/>
@@ -354,15 +354,15 @@
         </p:nvSpPr>
         <p:spPr>
           <a:xfrm>
-            <a:off x="0" y="8685213"/>
-            <a:ext cx="2971800" cy="457200"/>
+            <a:off x="0" y="8772668"/>
+            <a:ext cx="3037840" cy="461804"/>
           </a:xfrm>
           <a:prstGeom prst="rect">
             <a:avLst/>
           </a:prstGeom>
         </p:spPr>
         <p:txBody>
-          <a:bodyPr vert="horz" lIns="91440" tIns="45720" rIns="91440" bIns="45720" rtlCol="0" anchor="b"/>
+          <a:bodyPr vert="horz" lIns="92830" tIns="46415" rIns="92830" bIns="46415" rtlCol="0" anchor="b"/>
           <a:lstStyle>
             <a:lvl1pPr algn="l">
               <a:defRPr sz="1200"/>
@@ -385,15 +385,15 @@
         </p:nvSpPr>
         <p:spPr>
           <a:xfrm>
-            <a:off x="3884613" y="8685213"/>
-            <a:ext cx="2971800" cy="457200"/>
+            <a:off x="3970938" y="8772668"/>
+            <a:ext cx="3037840" cy="461804"/>
           </a:xfrm>
           <a:prstGeom prst="rect">
             <a:avLst/>
           </a:prstGeom>
         </p:spPr>
         <p:txBody>
-          <a:bodyPr vert="horz" lIns="91440" tIns="45720" rIns="91440" bIns="45720" rtlCol="0" anchor="b"/>
+          <a:bodyPr vert="horz" lIns="92830" tIns="46415" rIns="92830" bIns="46415" rtlCol="0" anchor="b"/>
           <a:lstStyle>
             <a:lvl1pPr algn="r">
               <a:defRPr sz="1200"/>
@@ -692,7 +692,7 @@
           <a:p>
             <a:fld id="{EB8790EE-DE21-4C03-AB70-882520788178}" type="datetime1">
               <a:rPr lang="en-US" smtClean="0"/>
-              <a:t>11/30/2016</a:t>
+              <a:t>12/1/2016</a:t>
             </a:fld>
             <a:endParaRPr lang="en-US"/>
           </a:p>
@@ -862,7 +862,7 @@
           <a:p>
             <a:fld id="{B47299CF-8A14-47B5-B880-6A6F78F44683}" type="datetime1">
               <a:rPr lang="en-US" smtClean="0"/>
-              <a:t>11/30/2016</a:t>
+              <a:t>12/1/2016</a:t>
             </a:fld>
             <a:endParaRPr lang="en-US"/>
           </a:p>
@@ -1042,7 +1042,7 @@
           <a:p>
             <a:fld id="{6248C1C5-15F3-4EEF-ADEF-C2D9D772A7A6}" type="datetime1">
               <a:rPr lang="en-US" smtClean="0"/>
-              <a:t>11/30/2016</a:t>
+              <a:t>12/1/2016</a:t>
             </a:fld>
             <a:endParaRPr lang="en-US"/>
           </a:p>
@@ -1212,7 +1212,7 @@
           <a:p>
             <a:fld id="{939E6CD1-4D2E-4DBC-9381-FEA14BD8C518}" type="datetime1">
               <a:rPr lang="en-US" smtClean="0"/>
-              <a:t>11/30/2016</a:t>
+              <a:t>12/1/2016</a:t>
             </a:fld>
             <a:endParaRPr lang="en-US"/>
           </a:p>
@@ -1458,7 +1458,7 @@
           <a:p>
             <a:fld id="{EC766C58-764C-4993-AFFA-CF529897ADE1}" type="datetime1">
               <a:rPr lang="en-US" smtClean="0"/>
-              <a:t>11/30/2016</a:t>
+              <a:t>12/1/2016</a:t>
             </a:fld>
             <a:endParaRPr lang="en-US"/>
           </a:p>
@@ -1746,7 +1746,7 @@
           <a:p>
             <a:fld id="{D492FA05-2AB2-4B5C-B715-50C3CF70CCD7}" type="datetime1">
               <a:rPr lang="en-US" smtClean="0"/>
-              <a:t>11/30/2016</a:t>
+              <a:t>12/1/2016</a:t>
             </a:fld>
             <a:endParaRPr lang="en-US"/>
           </a:p>
@@ -2168,7 +2168,7 @@
           <a:p>
             <a:fld id="{14B28006-7AD3-4D4F-A07C-0F2BB45B65B1}" type="datetime1">
               <a:rPr lang="en-US" smtClean="0"/>
-              <a:t>11/30/2016</a:t>
+              <a:t>12/1/2016</a:t>
             </a:fld>
             <a:endParaRPr lang="en-US"/>
           </a:p>
@@ -2286,7 +2286,7 @@
           <a:p>
             <a:fld id="{99ED5387-79FC-44A6-8B92-4C72D1597292}" type="datetime1">
               <a:rPr lang="en-US" smtClean="0"/>
-              <a:t>11/30/2016</a:t>
+              <a:t>12/1/2016</a:t>
             </a:fld>
             <a:endParaRPr lang="en-US"/>
           </a:p>
@@ -2381,7 +2381,7 @@
           <a:p>
             <a:fld id="{DA8E43DC-2E89-4A1F-872D-6E530D0E721E}" type="datetime1">
               <a:rPr lang="en-US" smtClean="0"/>
-              <a:t>11/30/2016</a:t>
+              <a:t>12/1/2016</a:t>
             </a:fld>
             <a:endParaRPr lang="en-US"/>
           </a:p>
@@ -2658,7 +2658,7 @@
           <a:p>
             <a:fld id="{5F4130BC-8581-42AB-BF95-989B7515FAB7}" type="datetime1">
               <a:rPr lang="en-US" smtClean="0"/>
-              <a:t>11/30/2016</a:t>
+              <a:t>12/1/2016</a:t>
             </a:fld>
             <a:endParaRPr lang="en-US"/>
           </a:p>
@@ -2911,7 +2911,7 @@
           <a:p>
             <a:fld id="{EF64A55C-074A-4CC2-8E1E-8EE901BC97C8}" type="datetime1">
               <a:rPr lang="en-US" smtClean="0"/>
-              <a:t>11/30/2016</a:t>
+              <a:t>12/1/2016</a:t>
             </a:fld>
             <a:endParaRPr lang="en-US"/>
           </a:p>
@@ -3124,7 +3124,7 @@
           <a:p>
             <a:fld id="{22B0E374-CF7D-4900-8FCD-6146378F0570}" type="datetime1">
               <a:rPr lang="en-US" smtClean="0"/>
-              <a:t>11/30/2016</a:t>
+              <a:t>12/1/2016</a:t>
             </a:fld>
             <a:endParaRPr lang="en-US"/>
           </a:p>
@@ -3550,7 +3550,6 @@
               <a:rPr lang="de-DE" sz="2000" dirty="0" smtClean="0"/>
               <a:t>2002)</a:t>
             </a:r>
-            <a:endParaRPr lang="de-DE" sz="2000" dirty="0" smtClean="0"/>
           </a:p>
           <a:p>
             <a:pPr algn="l"/>
@@ -3706,11 +3705,7 @@
             </a:r>
             <a:r>
               <a:rPr lang="en-US" sz="3200" dirty="0" smtClean="0"/>
-              <a:t> </a:t>
-            </a:r>
-            <a:r>
-              <a:rPr lang="en-US" sz="3200" dirty="0" smtClean="0"/>
-              <a:t>Presentation</a:t>
+              <a:t> Presentation</a:t>
             </a:r>
             <a:endParaRPr lang="en-US" sz="3200" dirty="0"/>
           </a:p>
@@ -3748,11 +3743,7 @@
             <a:pPr algn="ctr"/>
             <a:r>
               <a:rPr lang="en-US" dirty="0" smtClean="0"/>
-              <a:t>December 1, </a:t>
-            </a:r>
-            <a:r>
-              <a:rPr lang="en-US" dirty="0" smtClean="0"/>
-              <a:t>2016</a:t>
+              <a:t>December 1, 2016</a:t>
             </a:r>
           </a:p>
         </p:txBody>
@@ -4438,12 +4429,11 @@
               <a:rPr lang="en-US" dirty="0"/>
               <a:t>is a normalization function</a:t>
             </a:r>
-            <a:endParaRPr lang="en-US" dirty="0"/>
-          </a:p>
-        </p:txBody>
-      </p:sp>
-      <mc:AlternateContent xmlns:mc="http://schemas.openxmlformats.org/markup-compatibility/2006">
-        <mc:Choice xmlns:a14="http://schemas.microsoft.com/office/drawing/2010/main" Requires="a14">
+          </a:p>
+        </p:txBody>
+      </p:sp>
+      <mc:AlternateContent xmlns:mc="http://schemas.openxmlformats.org/markup-compatibility/2006" xmlns:a14="http://schemas.microsoft.com/office/drawing/2010/main">
+        <mc:Choice Requires="a14">
           <p:sp>
             <p:nvSpPr>
               <p:cNvPr id="7" name="Rectangle 6"/>
@@ -4564,7 +4554,7 @@
             </p:txBody>
           </p:sp>
         </mc:Choice>
-        <mc:Fallback>
+        <mc:Fallback xmlns="">
           <p:sp>
             <p:nvSpPr>
               <p:cNvPr id="7" name="Rectangle 6"/>
@@ -4824,8 +4814,8 @@
           </a:p>
         </p:txBody>
       </p:sp>
-      <mc:AlternateContent xmlns:mc="http://schemas.openxmlformats.org/markup-compatibility/2006">
-        <mc:Choice xmlns:a14="http://schemas.microsoft.com/office/drawing/2010/main" Requires="a14">
+      <mc:AlternateContent xmlns:mc="http://schemas.openxmlformats.org/markup-compatibility/2006" xmlns:a14="http://schemas.microsoft.com/office/drawing/2010/main">
+        <mc:Choice Requires="a14">
           <p:sp>
             <p:nvSpPr>
               <p:cNvPr id="4" name="Rectangle 3"/>
@@ -4901,7 +4891,9 @@
                       <m:rPr>
                         <m:sty m:val="p"/>
                       </m:rPr>
-                      <a:rPr lang="en-US" sz="2000" dirty="0"/>
+                      <a:rPr lang="en-US" sz="2000" dirty="0">
+                        <a:latin typeface="Cambria Math"/>
+                      </a:rPr>
                       <m:t>ϵ</m:t>
                     </m:r>
                   </m:oMath>
@@ -4914,12 +4906,11 @@
                   <a:rPr lang="en-US" sz="2000" dirty="0"/>
                   <a:t>{1,−1}</a:t>
                 </a:r>
-                <a:endParaRPr lang="en-US" sz="2000" dirty="0"/>
               </a:p>
             </p:txBody>
           </p:sp>
         </mc:Choice>
-        <mc:Fallback>
+        <mc:Fallback xmlns="">
           <p:sp>
             <p:nvSpPr>
               <p:cNvPr id="4" name="Rectangle 3"/>
@@ -6194,7 +6185,15 @@
             </a:pPr>
             <a:r>
               <a:rPr lang="en-US" dirty="0"/>
-              <a:t>No stemming or </a:t>
+              <a:t>n</a:t>
+            </a:r>
+            <a:r>
+              <a:rPr lang="en-US" dirty="0" smtClean="0"/>
+              <a:t>o </a:t>
+            </a:r>
+            <a:r>
+              <a:rPr lang="en-US" dirty="0"/>
+              <a:t>stemming or </a:t>
             </a:r>
             <a:r>
               <a:rPr lang="en-US" dirty="0" err="1"/>
@@ -6202,12 +6201,13 @@
             </a:r>
             <a:r>
               <a:rPr lang="en-US" dirty="0"/>
-              <a:t> were used</a:t>
+              <a:t> were </a:t>
             </a:r>
             <a:r>
               <a:rPr lang="en-US" dirty="0" smtClean="0"/>
-              <a:t>.</a:t>
-            </a:r>
+              <a:t>used</a:t>
+            </a:r>
+            <a:endParaRPr lang="en-US" dirty="0" smtClean="0"/>
           </a:p>
           <a:p>
             <a:pPr marL="285750" indent="-285750">
@@ -6215,16 +6215,8 @@
               <a:buChar char="•"/>
             </a:pPr>
             <a:r>
-              <a:rPr lang="en-US" dirty="0"/>
-              <a:t>we added the </a:t>
-            </a:r>
-            <a:r>
               <a:rPr lang="en-US" dirty="0" smtClean="0"/>
-              <a:t>tag we </a:t>
-            </a:r>
-            <a:r>
-              <a:rPr lang="en-US" dirty="0"/>
-              <a:t>added the </a:t>
+              <a:t>the </a:t>
             </a:r>
             <a:r>
               <a:rPr lang="en-US" dirty="0" smtClean="0"/>
@@ -6232,7 +6224,15 @@
             </a:r>
             <a:r>
               <a:rPr lang="en-US" dirty="0"/>
-              <a:t>to every word between a negation word (“not</a:t>
+              <a:t>to </a:t>
+            </a:r>
+            <a:r>
+              <a:rPr lang="en-US" dirty="0" smtClean="0"/>
+              <a:t>was added to every </a:t>
+            </a:r>
+            <a:r>
+              <a:rPr lang="en-US" dirty="0"/>
+              <a:t>word between a negation word (“not</a:t>
             </a:r>
             <a:r>
               <a:rPr lang="en-US" dirty="0" smtClean="0"/>
@@ -6242,7 +6242,6 @@
               <a:rPr lang="en-US" dirty="0"/>
               <a:t>isn’t”, “didn’t”, etc.)</a:t>
             </a:r>
-            <a:endParaRPr lang="en-US" dirty="0"/>
           </a:p>
         </p:txBody>
       </p:sp>
@@ -6284,7 +6283,15 @@
             </a:pPr>
             <a:r>
               <a:rPr lang="en-US" dirty="0" smtClean="0"/>
-              <a:t>It appears that presence information vs. feature frequency indicates the difference</a:t>
+              <a:t>It appears that presence information vs. feature frequency </a:t>
+            </a:r>
+            <a:r>
+              <a:rPr lang="en-US" dirty="0" smtClean="0"/>
+              <a:t>indicate </a:t>
+            </a:r>
+            <a:r>
+              <a:rPr lang="en-US" dirty="0" smtClean="0"/>
+              <a:t>the difference</a:t>
             </a:r>
           </a:p>
           <a:p>
@@ -6714,9 +6721,16 @@
             </a:r>
             <a:r>
               <a:rPr lang="en-US" sz="2400" dirty="0" smtClean="0"/>
-              <a:t> that better represent review’s subjective content.</a:t>
-            </a:r>
-            <a:endParaRPr lang="en-US" sz="2400" dirty="0" smtClean="0"/>
+              <a:t> that better </a:t>
+            </a:r>
+            <a:r>
+              <a:rPr lang="en-US" sz="2400" dirty="0" smtClean="0"/>
+              <a:t>represents </a:t>
+            </a:r>
+            <a:r>
+              <a:rPr lang="en-US" sz="2400" dirty="0" smtClean="0"/>
+              <a:t>review’s subjective content.</a:t>
+            </a:r>
           </a:p>
         </p:txBody>
       </p:sp>
@@ -7001,7 +7015,11 @@
             </a:r>
             <a:r>
               <a:rPr lang="en-US" sz="2400" dirty="0"/>
-              <a:t>text </a:t>
+              <a:t>T</a:t>
+            </a:r>
+            <a:r>
+              <a:rPr lang="en-US" sz="2400" dirty="0" smtClean="0"/>
+              <a:t>ext </a:t>
             </a:r>
             <a:r>
               <a:rPr lang="en-US" sz="2400" dirty="0" smtClean="0"/>
@@ -7031,7 +7049,6 @@
               <a:rPr lang="en-US" sz="2400" dirty="0" smtClean="0"/>
               <a:t>equal”.</a:t>
             </a:r>
-            <a:endParaRPr lang="en-US" sz="2400" dirty="0" smtClean="0"/>
           </a:p>
         </p:txBody>
       </p:sp>
@@ -7063,7 +7080,15 @@
             </a:pPr>
             <a:r>
               <a:rPr lang="en-US" sz="2400" dirty="0"/>
-              <a:t>Standard classification algorithm apply on each sentence in </a:t>
+              <a:t>Standard classification algorithm </a:t>
+            </a:r>
+            <a:r>
+              <a:rPr lang="en-US" sz="2400" dirty="0" smtClean="0"/>
+              <a:t>applies to </a:t>
+            </a:r>
+            <a:r>
+              <a:rPr lang="en-US" sz="2400" dirty="0"/>
+              <a:t>each sentence in </a:t>
             </a:r>
             <a:r>
               <a:rPr lang="en-US" sz="2400" dirty="0" smtClean="0"/>
@@ -7264,8 +7289,8 @@
           </a:extLst>
         </p:spPr>
       </p:pic>
-      <mc:AlternateContent xmlns:mc="http://schemas.openxmlformats.org/markup-compatibility/2006">
-        <mc:Choice xmlns:a14="http://schemas.microsoft.com/office/drawing/2010/main" Requires="a14">
+      <mc:AlternateContent xmlns:mc="http://schemas.openxmlformats.org/markup-compatibility/2006" xmlns:a14="http://schemas.microsoft.com/office/drawing/2010/main">
+        <mc:Choice Requires="a14">
           <p:sp>
             <p:nvSpPr>
               <p:cNvPr id="2" name="TextBox 1"/>
@@ -7670,12 +7695,11 @@
                   <a:rPr lang="en-US" sz="1400" dirty="0"/>
                   <a:t>same class.</a:t>
                 </a:r>
-                <a:endParaRPr lang="en-US" sz="1400" dirty="0"/>
               </a:p>
             </p:txBody>
           </p:sp>
         </mc:Choice>
-        <mc:Fallback>
+        <mc:Fallback xmlns="">
           <p:sp>
             <p:nvSpPr>
               <p:cNvPr id="2" name="TextBox 1"/>
@@ -8243,7 +8267,6 @@
               <a:rPr lang="en-US" sz="2800" b="1" dirty="0" smtClean="0"/>
               <a:t>Learning Techniques</a:t>
             </a:r>
-            <a:endParaRPr lang="en-US" sz="2800" b="1" dirty="0" smtClean="0"/>
           </a:p>
         </p:txBody>
       </p:sp>
@@ -8757,7 +8780,6 @@
               <a:rPr lang="en-US" dirty="0"/>
               <a:t> (p. 271). Association for Computational Linguistics</a:t>
             </a:r>
-            <a:endParaRPr lang="en-US" dirty="0"/>
           </a:p>
         </p:txBody>
       </p:sp>
@@ -8874,15 +8896,7 @@
                   <a:schemeClr val="tx1"/>
                 </a:solidFill>
               </a:rPr>
-              <a:t>Sentiment</a:t>
-            </a:r>
-            <a:r>
-              <a:rPr lang="en-US" sz="3200" dirty="0" smtClean="0">
-                <a:solidFill>
-                  <a:schemeClr val="tx1"/>
-                </a:solidFill>
-              </a:rPr>
-              <a:t>-Classification Definition</a:t>
+              <a:t>Sentiment-Classification Definition</a:t>
             </a:r>
             <a:endParaRPr lang="en-US" sz="3200" dirty="0">
               <a:solidFill>
@@ -9171,7 +9185,7 @@
         <p:spPr>
           <a:xfrm>
             <a:off x="560033" y="1676400"/>
-            <a:ext cx="3124200" cy="4524315"/>
+            <a:ext cx="3124200" cy="4247317"/>
           </a:xfrm>
           <a:prstGeom prst="rect">
             <a:avLst/>
@@ -9190,7 +9204,15 @@
             </a:pPr>
             <a:r>
               <a:rPr lang="en-US" dirty="0" smtClean="0"/>
-              <a:t>Watch a movie base of consensus opinion: good vs bad.</a:t>
+              <a:t>Watch a movie </a:t>
+            </a:r>
+            <a:r>
+              <a:rPr lang="en-US" dirty="0" smtClean="0"/>
+              <a:t>based on </a:t>
+            </a:r>
+            <a:r>
+              <a:rPr lang="en-US" dirty="0" smtClean="0"/>
+              <a:t>consensus opinion: good vs bad.</a:t>
             </a:r>
           </a:p>
           <a:p>
@@ -9203,7 +9225,19 @@
             </a:pPr>
             <a:r>
               <a:rPr lang="en-US" dirty="0" smtClean="0"/>
-              <a:t>Purchasing a product using consumer’s review: useful vs useless.</a:t>
+              <a:t>Purchase </a:t>
+            </a:r>
+            <a:r>
+              <a:rPr lang="en-US" dirty="0" smtClean="0"/>
+              <a:t>a product using </a:t>
+            </a:r>
+            <a:r>
+              <a:rPr lang="en-US" dirty="0" smtClean="0"/>
+              <a:t>consumers’ reviews: </a:t>
+            </a:r>
+            <a:r>
+              <a:rPr lang="en-US" dirty="0" smtClean="0"/>
+              <a:t>useful vs useless.</a:t>
             </a:r>
           </a:p>
           <a:p>
@@ -9216,7 +9250,15 @@
             </a:pPr>
             <a:r>
               <a:rPr lang="en-US" dirty="0" smtClean="0"/>
-              <a:t>What is the opinion people have about a candidate policy: favorable vs unfavorable.</a:t>
+              <a:t>What is the opinion people have about a </a:t>
+            </a:r>
+            <a:r>
+              <a:rPr lang="en-US" dirty="0" smtClean="0"/>
+              <a:t>candidate’s </a:t>
+            </a:r>
+            <a:r>
+              <a:rPr lang="en-US" dirty="0" smtClean="0"/>
+              <a:t>policy: favorable vs unfavorable.</a:t>
             </a:r>
           </a:p>
           <a:p>
@@ -9229,7 +9271,11 @@
             </a:pPr>
             <a:r>
               <a:rPr lang="en-US" dirty="0" smtClean="0"/>
-              <a:t>Predicting outcome of election based on people sentiment.</a:t>
+              <a:t>Predict </a:t>
+            </a:r>
+            <a:r>
+              <a:rPr lang="en-US" dirty="0" smtClean="0"/>
+              <a:t>outcome of election based on people sentiment.</a:t>
             </a:r>
             <a:endParaRPr lang="en-US" dirty="0"/>
           </a:p>
@@ -9823,7 +9869,15 @@
           <a:p>
             <a:r>
               <a:rPr lang="en-US" sz="2000" dirty="0" smtClean="0"/>
-              <a:t>How effective may be the application of machine learning techniques to the </a:t>
+              <a:t>How effective </a:t>
+            </a:r>
+            <a:r>
+              <a:rPr lang="en-US" sz="2000" dirty="0" smtClean="0"/>
+              <a:t>is the </a:t>
+            </a:r>
+            <a:r>
+              <a:rPr lang="en-US" sz="2000" dirty="0" smtClean="0"/>
+              <a:t>application of machine learning techniques to the </a:t>
             </a:r>
             <a:r>
               <a:rPr lang="en-US" sz="2000" b="1" i="1" dirty="0" smtClean="0"/>
@@ -9849,7 +9903,6 @@
               <a:rPr lang="en-US" sz="2000" i="1" dirty="0"/>
               <a:t>.</a:t>
             </a:r>
-            <a:endParaRPr lang="en-US" sz="2000" i="1" dirty="0"/>
           </a:p>
         </p:txBody>
       </p:sp>
@@ -9999,7 +10052,15 @@
           <a:p>
             <a:r>
               <a:rPr lang="en-US" sz="2000" dirty="0" smtClean="0"/>
-              <a:t>The identification of certain words people use to express their sentiment should be enough for a sentiment-base classification.</a:t>
+              <a:t>The identification of certain words people use to express their sentiment should be enough for a </a:t>
+            </a:r>
+            <a:r>
+              <a:rPr lang="en-US" sz="2000" dirty="0" smtClean="0"/>
+              <a:t>sentiment-based </a:t>
+            </a:r>
+            <a:r>
+              <a:rPr lang="en-US" sz="2000" dirty="0" smtClean="0"/>
+              <a:t>classification.</a:t>
             </a:r>
             <a:endParaRPr lang="en-US" sz="2000" dirty="0"/>
           </a:p>
@@ -10414,7 +10475,15 @@
                   <a:schemeClr val="tx1"/>
                 </a:solidFill>
               </a:rPr>
-              <a:t>Experiment Base-Line</a:t>
+              <a:t>Experiment </a:t>
+            </a:r>
+            <a:r>
+              <a:rPr lang="en-US" sz="3200" dirty="0" smtClean="0">
+                <a:solidFill>
+                  <a:schemeClr val="tx1"/>
+                </a:solidFill>
+              </a:rPr>
+              <a:t>Baseline</a:t>
             </a:r>
             <a:endParaRPr lang="en-US" sz="3200" dirty="0">
               <a:solidFill>
@@ -10487,7 +10556,7 @@
         <p:spPr>
           <a:xfrm>
             <a:off x="304800" y="4876800"/>
-            <a:ext cx="8312404" cy="646331"/>
+            <a:ext cx="8402172" cy="646331"/>
           </a:xfrm>
           <a:prstGeom prst="rect">
             <a:avLst/>
@@ -10502,13 +10571,21 @@
           <a:p>
             <a:r>
               <a:rPr lang="en-US" dirty="0" smtClean="0"/>
-              <a:t>Topic are identifiable by keywords.  Sentiments can be expressed in a more subtle way:</a:t>
-            </a:r>
-          </a:p>
-          <a:p>
+              <a:t>Topics </a:t>
+            </a:r>
             <a:r>
               <a:rPr lang="en-US" dirty="0" smtClean="0"/>
-              <a:t>“What was the director thinking?” or “Still, though, it was worth seeing”</a:t>
+              <a:t>are identifiable by keywords.  Sentiments can be expressed in a more subtle way:</a:t>
+            </a:r>
+          </a:p>
+          <a:p>
+            <a:r>
+              <a:rPr lang="en-US" dirty="0" smtClean="0"/>
+              <a:t>“What was the director thinking?” or “Still, though, it was worth seeing</a:t>
+            </a:r>
+            <a:r>
+              <a:rPr lang="en-US" dirty="0" smtClean="0"/>
+              <a:t>”.</a:t>
             </a:r>
             <a:endParaRPr lang="en-US" dirty="0"/>
           </a:p>
@@ -10551,8 +10628,8 @@
           <a:chExt cx="0" cy="0"/>
         </a:xfrm>
       </p:grpSpPr>
-      <mc:AlternateContent xmlns:mc="http://schemas.openxmlformats.org/markup-compatibility/2006">
-        <mc:Choice xmlns:a14="http://schemas.microsoft.com/office/drawing/2010/main" Requires="a14">
+      <mc:AlternateContent xmlns:mc="http://schemas.openxmlformats.org/markup-compatibility/2006" xmlns:a14="http://schemas.microsoft.com/office/drawing/2010/main">
+        <mc:Choice Requires="a14">
           <p:sp>
             <p:nvSpPr>
               <p:cNvPr id="2" name="TextBox 1"/>
@@ -10666,7 +10743,7 @@
             </p:txBody>
           </p:sp>
         </mc:Choice>
-        <mc:Fallback>
+        <mc:Fallback xmlns="">
           <p:sp>
             <p:nvSpPr>
               <p:cNvPr id="2" name="TextBox 1"/>
@@ -10791,8 +10868,8 @@
           </a:p>
         </p:txBody>
       </p:sp>
-      <mc:AlternateContent xmlns:mc="http://schemas.openxmlformats.org/markup-compatibility/2006">
-        <mc:Choice xmlns:a14="http://schemas.microsoft.com/office/drawing/2010/main" Requires="a14">
+      <mc:AlternateContent xmlns:mc="http://schemas.openxmlformats.org/markup-compatibility/2006" xmlns:a14="http://schemas.microsoft.com/office/drawing/2010/main">
+        <mc:Choice Requires="a14">
           <p:sp>
             <p:nvSpPr>
               <p:cNvPr id="9" name="TextBox 8"/>
@@ -10914,7 +10991,7 @@
             </p:txBody>
           </p:sp>
         </mc:Choice>
-        <mc:Fallback>
+        <mc:Fallback xmlns="">
           <p:sp>
             <p:nvSpPr>
               <p:cNvPr id="9" name="TextBox 8"/>
@@ -10953,8 +11030,8 @@
           </p:sp>
         </mc:Fallback>
       </mc:AlternateContent>
-      <mc:AlternateContent xmlns:mc="http://schemas.openxmlformats.org/markup-compatibility/2006">
-        <mc:Choice xmlns:a14="http://schemas.microsoft.com/office/drawing/2010/main" Requires="a14">
+      <mc:AlternateContent xmlns:mc="http://schemas.openxmlformats.org/markup-compatibility/2006" xmlns:a14="http://schemas.microsoft.com/office/drawing/2010/main">
+        <mc:Choice Requires="a14">
           <p:sp>
             <p:nvSpPr>
               <p:cNvPr id="11" name="TextBox 10"/>
@@ -11182,7 +11259,7 @@
             </p:txBody>
           </p:sp>
         </mc:Choice>
-        <mc:Fallback>
+        <mc:Fallback xmlns="">
           <p:sp>
             <p:nvSpPr>
               <p:cNvPr id="11" name="TextBox 10"/>
